--- a/doc/02_SlideShare/01.ネタ/２_Reactの基礎/2-2_Reactの基礎知識 ～仮想DOM編～.pptx
+++ b/doc/02_SlideShare/01.ネタ/２_Reactの基礎/2-2_Reactの基礎知識 ～仮想DOM編～.pptx
@@ -1649,7 +1649,7 @@
           </a:ln>
           <a:extLst>
             <a:ext uri="{C572A759-6A51-4108-AA02-DFA0A04FC94B}">
-              <ma14:wrappingTextBoxFlag xmlns="" xmlns:ma14="http://schemas.microsoft.com/office/mac/drawingml/2011/main" val="1"/>
+              <ma14:wrappingTextBoxFlag xmlns:ma14="http://schemas.microsoft.com/office/mac/drawingml/2011/main" xmlns="" val="1"/>
             </a:ext>
           </a:extLst>
         </p:spPr>
@@ -1688,7 +1688,7 @@
           </a:ln>
           <a:extLst>
             <a:ext uri="{C572A759-6A51-4108-AA02-DFA0A04FC94B}">
-              <ma14:wrappingTextBoxFlag xmlns="" xmlns:ma14="http://schemas.microsoft.com/office/mac/drawingml/2011/main" val="1"/>
+              <ma14:wrappingTextBoxFlag xmlns:ma14="http://schemas.microsoft.com/office/mac/drawingml/2011/main" xmlns="" val="1"/>
             </a:ext>
           </a:extLst>
         </p:spPr>
@@ -2770,7 +2770,7 @@
             <a:effectLst/>
             <a:extLst>
               <a:ext uri="{C572A759-6A51-4108-AA02-DFA0A04FC94B}">
-                <ma14:wrappingTextBoxFlag xmlns="" xmlns:ma14="http://schemas.microsoft.com/office/mac/drawingml/2011/main" val="1"/>
+                <ma14:wrappingTextBoxFlag xmlns:ma14="http://schemas.microsoft.com/office/mac/drawingml/2011/main" xmlns="" val="1"/>
               </a:ext>
             </a:extLst>
           </p:spPr>
@@ -2962,7 +2962,6 @@
               <a:rPr lang="ja-JP" altLang="en-US" dirty="0"/>
               <a:t>を利用したレンダリング</a:t>
             </a:r>
-            <a:endParaRPr lang="ja-JP" altLang="en-US" dirty="0"/>
           </a:p>
         </p:txBody>
       </p:sp>
@@ -3021,7 +3020,6 @@
               <a:rPr lang="ja-JP" altLang="en-US" dirty="0"/>
               <a:t>の利用</a:t>
             </a:r>
-            <a:endParaRPr lang="ja-JP" altLang="en-US" dirty="0"/>
           </a:p>
         </p:txBody>
       </p:sp>
@@ -3382,7 +3380,7 @@
             <a:effectLst/>
             <a:extLst>
               <a:ext uri="{C572A759-6A51-4108-AA02-DFA0A04FC94B}">
-                <ma14:wrappingTextBoxFlag xmlns="" xmlns:ma14="http://schemas.microsoft.com/office/mac/drawingml/2011/main" val="1"/>
+                <ma14:wrappingTextBoxFlag xmlns:ma14="http://schemas.microsoft.com/office/mac/drawingml/2011/main" xmlns="" val="1"/>
               </a:ext>
             </a:extLst>
           </p:spPr>
@@ -3524,17 +3522,7 @@
                   <a:latin typeface="Meiryo UI" panose="020B0604030504040204" pitchFamily="50" charset="-128"/>
                   <a:ea typeface="Meiryo UI" panose="020B0604030504040204" pitchFamily="50" charset="-128"/>
                 </a:rPr>
-                <a:t>が</a:t>
-              </a:r>
-              <a:r>
-                <a:rPr kumimoji="1" lang="ja-JP" altLang="en-US" sz="2000" kern="1200" dirty="0" smtClean="0">
-                  <a:solidFill>
-                    <a:schemeClr val="tx1"/>
-                  </a:solidFill>
-                  <a:latin typeface="Meiryo UI" panose="020B0604030504040204" pitchFamily="50" charset="-128"/>
-                  <a:ea typeface="Meiryo UI" panose="020B0604030504040204" pitchFamily="50" charset="-128"/>
-                </a:rPr>
-                <a:t>行われます</a:t>
+                <a:t>が行われます</a:t>
               </a:r>
               <a:r>
                 <a:rPr kumimoji="1" sz="2000" kern="1200" dirty="0" smtClean="0">
@@ -3632,7 +3620,7 @@
           </a:ln>
           <a:extLst>
             <a:ext uri="{C572A759-6A51-4108-AA02-DFA0A04FC94B}">
-              <ma14:wrappingTextBoxFlag xmlns="" xmlns:ma14="http://schemas.microsoft.com/office/mac/drawingml/2011/main" val="1"/>
+              <ma14:wrappingTextBoxFlag xmlns:ma14="http://schemas.microsoft.com/office/mac/drawingml/2011/main" xmlns="" val="1"/>
             </a:ext>
           </a:extLst>
         </p:spPr>
@@ -4090,7 +4078,7 @@
           </a:ln>
           <a:extLst>
             <a:ext uri="{C572A759-6A51-4108-AA02-DFA0A04FC94B}">
-              <ma14:wrappingTextBoxFlag xmlns:ma14="http://schemas.microsoft.com/office/mac/drawingml/2011/main" xmlns="" val="1"/>
+              <ma14:wrappingTextBoxFlag xmlns="" xmlns:ma14="http://schemas.microsoft.com/office/mac/drawingml/2011/main" val="1"/>
             </a:ext>
           </a:extLst>
         </p:spPr>
@@ -5646,7 +5634,7 @@
           </a:ln>
           <a:extLst>
             <a:ext uri="{C572A759-6A51-4108-AA02-DFA0A04FC94B}">
-              <ma14:wrappingTextBoxFlag xmlns:ma14="http://schemas.microsoft.com/office/mac/drawingml/2011/main" xmlns="" val="1"/>
+              <ma14:wrappingTextBoxFlag xmlns="" xmlns:ma14="http://schemas.microsoft.com/office/mac/drawingml/2011/main" val="1"/>
             </a:ext>
           </a:extLst>
         </p:spPr>
@@ -5702,7 +5690,7 @@
           </a:ln>
           <a:extLst>
             <a:ext uri="{C572A759-6A51-4108-AA02-DFA0A04FC94B}">
-              <ma14:wrappingTextBoxFlag xmlns:ma14="http://schemas.microsoft.com/office/mac/drawingml/2011/main" xmlns="" val="1"/>
+              <ma14:wrappingTextBoxFlag xmlns="" xmlns:ma14="http://schemas.microsoft.com/office/mac/drawingml/2011/main" val="1"/>
             </a:ext>
           </a:extLst>
         </p:spPr>
@@ -5751,7 +5739,7 @@
           </a:ln>
           <a:extLst>
             <a:ext uri="{C572A759-6A51-4108-AA02-DFA0A04FC94B}">
-              <ma14:wrappingTextBoxFlag xmlns:ma14="http://schemas.microsoft.com/office/mac/drawingml/2011/main" xmlns="" val="1"/>
+              <ma14:wrappingTextBoxFlag xmlns="" xmlns:ma14="http://schemas.microsoft.com/office/mac/drawingml/2011/main" val="1"/>
             </a:ext>
           </a:extLst>
         </p:spPr>
@@ -5799,7 +5787,7 @@
           </a:ln>
           <a:extLst>
             <a:ext uri="{C572A759-6A51-4108-AA02-DFA0A04FC94B}">
-              <ma14:wrappingTextBoxFlag xmlns:ma14="http://schemas.microsoft.com/office/mac/drawingml/2011/main" xmlns="" val="1"/>
+              <ma14:wrappingTextBoxFlag xmlns="" xmlns:ma14="http://schemas.microsoft.com/office/mac/drawingml/2011/main" val="1"/>
             </a:ext>
           </a:extLst>
         </p:spPr>
@@ -5911,7 +5899,7 @@
           </a:ln>
           <a:extLst>
             <a:ext uri="{C572A759-6A51-4108-AA02-DFA0A04FC94B}">
-              <ma14:wrappingTextBoxFlag xmlns:ma14="http://schemas.microsoft.com/office/mac/drawingml/2011/main" xmlns="" val="1"/>
+              <ma14:wrappingTextBoxFlag xmlns="" xmlns:ma14="http://schemas.microsoft.com/office/mac/drawingml/2011/main" val="1"/>
             </a:ext>
           </a:extLst>
         </p:spPr>
@@ -6237,7 +6225,7 @@
             <a:effectLst/>
             <a:extLst>
               <a:ext uri="{C572A759-6A51-4108-AA02-DFA0A04FC94B}">
-                <ma14:wrappingTextBoxFlag xmlns="" xmlns:ma14="http://schemas.microsoft.com/office/mac/drawingml/2011/main" val="1"/>
+                <ma14:wrappingTextBoxFlag xmlns:ma14="http://schemas.microsoft.com/office/mac/drawingml/2011/main" xmlns="" val="1"/>
               </a:ext>
             </a:extLst>
           </p:spPr>
@@ -6936,11 +6924,7 @@
             </a:r>
             <a:r>
               <a:rPr lang="en-US" altLang="ja-JP" dirty="0" smtClean="0"/>
-              <a:t>DOM </a:t>
-            </a:r>
-            <a:r>
-              <a:rPr lang="en-US" altLang="ja-JP" dirty="0" smtClean="0"/>
-              <a:t>- </a:t>
+              <a:t>DOM - </a:t>
             </a:r>
             <a:r>
               <a:rPr lang="ja-JP" altLang="en-US" dirty="0" smtClean="0"/>
@@ -6980,7 +6964,7 @@
           <a:effectLst/>
           <a:extLst>
             <a:ext uri="{C572A759-6A51-4108-AA02-DFA0A04FC94B}">
-              <ma14:wrappingTextBoxFlag xmlns="" xmlns:ma14="http://schemas.microsoft.com/office/mac/drawingml/2011/main" val="1"/>
+              <ma14:wrappingTextBoxFlag xmlns:ma14="http://schemas.microsoft.com/office/mac/drawingml/2011/main" xmlns="" val="1"/>
             </a:ext>
           </a:extLst>
         </p:spPr>
@@ -7132,7 +7116,7 @@
             <a:effectLst/>
             <a:extLst>
               <a:ext uri="{C572A759-6A51-4108-AA02-DFA0A04FC94B}">
-                <ma14:wrappingTextBoxFlag xmlns="" xmlns:ma14="http://schemas.microsoft.com/office/mac/drawingml/2011/main" val="1"/>
+                <ma14:wrappingTextBoxFlag xmlns:ma14="http://schemas.microsoft.com/office/mac/drawingml/2011/main" xmlns="" val="1"/>
               </a:ext>
             </a:extLst>
           </p:spPr>
@@ -8900,15 +8884,7 @@
             </a:r>
             <a:r>
               <a:rPr lang="ja-JP" altLang="en-US" dirty="0" smtClean="0"/>
-              <a:t>、差分</a:t>
-            </a:r>
-            <a:r>
-              <a:rPr lang="ja-JP" altLang="en-US" dirty="0" smtClean="0"/>
-              <a:t>比較を行います</a:t>
-            </a:r>
-            <a:r>
-              <a:rPr lang="ja-JP" altLang="en-US" dirty="0" smtClean="0"/>
-              <a:t>。</a:t>
+              <a:t>、</a:t>
             </a:r>
             <a:endParaRPr lang="en-US" altLang="ja-JP" dirty="0" smtClean="0"/>
           </a:p>
@@ -8918,7 +8894,23 @@
             </a:pPr>
             <a:r>
               <a:rPr lang="ja-JP" altLang="en-US" dirty="0" smtClean="0"/>
-              <a:t>そして</a:t>
+              <a:t>前回時の仮想</a:t>
+            </a:r>
+            <a:r>
+              <a:rPr lang="en-US" altLang="ja-JP" dirty="0" smtClean="0"/>
+              <a:t>DOM</a:t>
+            </a:r>
+            <a:r>
+              <a:rPr lang="ja-JP" altLang="en-US" dirty="0" smtClean="0"/>
+              <a:t>と差分</a:t>
+            </a:r>
+            <a:r>
+              <a:rPr lang="ja-JP" altLang="en-US" dirty="0" smtClean="0"/>
+              <a:t>比較を行います</a:t>
+            </a:r>
+            <a:r>
+              <a:rPr lang="ja-JP" altLang="en-US" dirty="0" smtClean="0"/>
+              <a:t>。そして</a:t>
             </a:r>
             <a:r>
               <a:rPr lang="ja-JP" altLang="en-US" dirty="0" smtClean="0"/>
@@ -10429,7 +10421,7 @@
           <a:lstStyle/>
           <a:p>
             <a:r>
-              <a:rPr lang="ja-JP" altLang="en-US" dirty="0" smtClean="0">
+              <a:rPr lang="ja-JP" altLang="en-US" dirty="0">
                 <a:solidFill>
                   <a:schemeClr val="tx1">
                     <a:lumMod val="85000"/>
@@ -10437,7 +10429,18 @@
                   </a:schemeClr>
                 </a:solidFill>
               </a:rPr>
-              <a:t>追加箇所</a:t>
+              <a:t>差分</a:t>
+            </a:r>
+            <a:r>
+              <a:rPr lang="ja-JP" altLang="en-US" dirty="0" smtClean="0">
+                <a:solidFill>
+                  <a:schemeClr val="tx1">
+                    <a:lumMod val="85000"/>
+                    <a:lumOff val="15000"/>
+                  </a:schemeClr>
+                </a:solidFill>
+              </a:rPr>
+              <a:t>箇所</a:t>
             </a:r>
             <a:endParaRPr lang="en-US" altLang="ja-JP" dirty="0">
               <a:solidFill>
@@ -11652,7 +11655,7 @@
         </p:nvSpPr>
         <p:spPr>
           <a:xfrm>
-            <a:off x="1118673" y="2332170"/>
+            <a:off x="1128198" y="2322645"/>
             <a:ext cx="1450104" cy="369328"/>
           </a:xfrm>
           <a:prstGeom prst="rect">
@@ -11713,7 +11716,7 @@
         </p:nvSpPr>
         <p:spPr>
           <a:xfrm>
-            <a:off x="6193368" y="2343905"/>
+            <a:off x="6193368" y="2339369"/>
             <a:ext cx="1450104" cy="369328"/>
           </a:xfrm>
           <a:prstGeom prst="rect">

--- a/doc/02_SlideShare/01.ネタ/２_Reactの基礎/2-2_Reactの基礎知識 ～仮想DOM編～.pptx
+++ b/doc/02_SlideShare/01.ネタ/２_Reactの基礎/2-2_Reactの基礎知識 ～仮想DOM編～.pptx
@@ -1649,7 +1649,7 @@
           </a:ln>
           <a:extLst>
             <a:ext uri="{C572A759-6A51-4108-AA02-DFA0A04FC94B}">
-              <ma14:wrappingTextBoxFlag xmlns:ma14="http://schemas.microsoft.com/office/mac/drawingml/2011/main" xmlns="" val="1"/>
+              <ma14:wrappingTextBoxFlag xmlns="" xmlns:ma14="http://schemas.microsoft.com/office/mac/drawingml/2011/main" val="1"/>
             </a:ext>
           </a:extLst>
         </p:spPr>
@@ -1688,7 +1688,7 @@
           </a:ln>
           <a:extLst>
             <a:ext uri="{C572A759-6A51-4108-AA02-DFA0A04FC94B}">
-              <ma14:wrappingTextBoxFlag xmlns:ma14="http://schemas.microsoft.com/office/mac/drawingml/2011/main" xmlns="" val="1"/>
+              <ma14:wrappingTextBoxFlag xmlns="" xmlns:ma14="http://schemas.microsoft.com/office/mac/drawingml/2011/main" val="1"/>
             </a:ext>
           </a:extLst>
         </p:spPr>
@@ -2770,7 +2770,7 @@
             <a:effectLst/>
             <a:extLst>
               <a:ext uri="{C572A759-6A51-4108-AA02-DFA0A04FC94B}">
-                <ma14:wrappingTextBoxFlag xmlns:ma14="http://schemas.microsoft.com/office/mac/drawingml/2011/main" xmlns="" val="1"/>
+                <ma14:wrappingTextBoxFlag xmlns="" xmlns:ma14="http://schemas.microsoft.com/office/mac/drawingml/2011/main" val="1"/>
               </a:ext>
             </a:extLst>
           </p:spPr>
@@ -3380,7 +3380,7 @@
             <a:effectLst/>
             <a:extLst>
               <a:ext uri="{C572A759-6A51-4108-AA02-DFA0A04FC94B}">
-                <ma14:wrappingTextBoxFlag xmlns:ma14="http://schemas.microsoft.com/office/mac/drawingml/2011/main" xmlns="" val="1"/>
+                <ma14:wrappingTextBoxFlag xmlns="" xmlns:ma14="http://schemas.microsoft.com/office/mac/drawingml/2011/main" val="1"/>
               </a:ext>
             </a:extLst>
           </p:spPr>
@@ -3620,7 +3620,7 @@
           </a:ln>
           <a:extLst>
             <a:ext uri="{C572A759-6A51-4108-AA02-DFA0A04FC94B}">
-              <ma14:wrappingTextBoxFlag xmlns:ma14="http://schemas.microsoft.com/office/mac/drawingml/2011/main" xmlns="" val="1"/>
+              <ma14:wrappingTextBoxFlag xmlns="" xmlns:ma14="http://schemas.microsoft.com/office/mac/drawingml/2011/main" val="1"/>
             </a:ext>
           </a:extLst>
         </p:spPr>
@@ -4078,7 +4078,7 @@
           </a:ln>
           <a:extLst>
             <a:ext uri="{C572A759-6A51-4108-AA02-DFA0A04FC94B}">
-              <ma14:wrappingTextBoxFlag xmlns="" xmlns:ma14="http://schemas.microsoft.com/office/mac/drawingml/2011/main" val="1"/>
+              <ma14:wrappingTextBoxFlag xmlns:ma14="http://schemas.microsoft.com/office/mac/drawingml/2011/main" xmlns="" val="1"/>
             </a:ext>
           </a:extLst>
         </p:spPr>
@@ -5634,7 +5634,7 @@
           </a:ln>
           <a:extLst>
             <a:ext uri="{C572A759-6A51-4108-AA02-DFA0A04FC94B}">
-              <ma14:wrappingTextBoxFlag xmlns="" xmlns:ma14="http://schemas.microsoft.com/office/mac/drawingml/2011/main" val="1"/>
+              <ma14:wrappingTextBoxFlag xmlns:ma14="http://schemas.microsoft.com/office/mac/drawingml/2011/main" xmlns="" val="1"/>
             </a:ext>
           </a:extLst>
         </p:spPr>
@@ -5690,7 +5690,7 @@
           </a:ln>
           <a:extLst>
             <a:ext uri="{C572A759-6A51-4108-AA02-DFA0A04FC94B}">
-              <ma14:wrappingTextBoxFlag xmlns="" xmlns:ma14="http://schemas.microsoft.com/office/mac/drawingml/2011/main" val="1"/>
+              <ma14:wrappingTextBoxFlag xmlns:ma14="http://schemas.microsoft.com/office/mac/drawingml/2011/main" xmlns="" val="1"/>
             </a:ext>
           </a:extLst>
         </p:spPr>
@@ -5739,7 +5739,7 @@
           </a:ln>
           <a:extLst>
             <a:ext uri="{C572A759-6A51-4108-AA02-DFA0A04FC94B}">
-              <ma14:wrappingTextBoxFlag xmlns="" xmlns:ma14="http://schemas.microsoft.com/office/mac/drawingml/2011/main" val="1"/>
+              <ma14:wrappingTextBoxFlag xmlns:ma14="http://schemas.microsoft.com/office/mac/drawingml/2011/main" xmlns="" val="1"/>
             </a:ext>
           </a:extLst>
         </p:spPr>
@@ -5787,7 +5787,7 @@
           </a:ln>
           <a:extLst>
             <a:ext uri="{C572A759-6A51-4108-AA02-DFA0A04FC94B}">
-              <ma14:wrappingTextBoxFlag xmlns="" xmlns:ma14="http://schemas.microsoft.com/office/mac/drawingml/2011/main" val="1"/>
+              <ma14:wrappingTextBoxFlag xmlns:ma14="http://schemas.microsoft.com/office/mac/drawingml/2011/main" xmlns="" val="1"/>
             </a:ext>
           </a:extLst>
         </p:spPr>
@@ -5899,7 +5899,7 @@
           </a:ln>
           <a:extLst>
             <a:ext uri="{C572A759-6A51-4108-AA02-DFA0A04FC94B}">
-              <ma14:wrappingTextBoxFlag xmlns="" xmlns:ma14="http://schemas.microsoft.com/office/mac/drawingml/2011/main" val="1"/>
+              <ma14:wrappingTextBoxFlag xmlns:ma14="http://schemas.microsoft.com/office/mac/drawingml/2011/main" xmlns="" val="1"/>
             </a:ext>
           </a:extLst>
         </p:spPr>
@@ -6225,7 +6225,7 @@
             <a:effectLst/>
             <a:extLst>
               <a:ext uri="{C572A759-6A51-4108-AA02-DFA0A04FC94B}">
-                <ma14:wrappingTextBoxFlag xmlns:ma14="http://schemas.microsoft.com/office/mac/drawingml/2011/main" xmlns="" val="1"/>
+                <ma14:wrappingTextBoxFlag xmlns="" xmlns:ma14="http://schemas.microsoft.com/office/mac/drawingml/2011/main" val="1"/>
               </a:ext>
             </a:extLst>
           </p:spPr>
@@ -6964,7 +6964,7 @@
           <a:effectLst/>
           <a:extLst>
             <a:ext uri="{C572A759-6A51-4108-AA02-DFA0A04FC94B}">
-              <ma14:wrappingTextBoxFlag xmlns:ma14="http://schemas.microsoft.com/office/mac/drawingml/2011/main" xmlns="" val="1"/>
+              <ma14:wrappingTextBoxFlag xmlns="" xmlns:ma14="http://schemas.microsoft.com/office/mac/drawingml/2011/main" val="1"/>
             </a:ext>
           </a:extLst>
         </p:spPr>
@@ -7116,7 +7116,7 @@
             <a:effectLst/>
             <a:extLst>
               <a:ext uri="{C572A759-6A51-4108-AA02-DFA0A04FC94B}">
-                <ma14:wrappingTextBoxFlag xmlns:ma14="http://schemas.microsoft.com/office/mac/drawingml/2011/main" xmlns="" val="1"/>
+                <ma14:wrappingTextBoxFlag xmlns="" xmlns:ma14="http://schemas.microsoft.com/office/mac/drawingml/2011/main" val="1"/>
               </a:ext>
             </a:extLst>
           </p:spPr>
@@ -8880,11 +8880,7 @@
             </a:r>
             <a:r>
               <a:rPr lang="ja-JP" altLang="en-US" dirty="0" smtClean="0"/>
-              <a:t>し</a:t>
-            </a:r>
-            <a:r>
-              <a:rPr lang="ja-JP" altLang="en-US" dirty="0" smtClean="0"/>
-              <a:t>、</a:t>
+              <a:t>し、</a:t>
             </a:r>
             <a:endParaRPr lang="en-US" altLang="ja-JP" dirty="0" smtClean="0"/>
           </a:p>
@@ -8902,19 +8898,7 @@
             </a:r>
             <a:r>
               <a:rPr lang="ja-JP" altLang="en-US" dirty="0" smtClean="0"/>
-              <a:t>と差分</a:t>
-            </a:r>
-            <a:r>
-              <a:rPr lang="ja-JP" altLang="en-US" dirty="0" smtClean="0"/>
-              <a:t>比較を行います</a:t>
-            </a:r>
-            <a:r>
-              <a:rPr lang="ja-JP" altLang="en-US" dirty="0" smtClean="0"/>
-              <a:t>。そして</a:t>
-            </a:r>
-            <a:r>
-              <a:rPr lang="ja-JP" altLang="en-US" dirty="0" smtClean="0"/>
-              <a:t>、実</a:t>
+              <a:t>と差分比較を行います。そして、実</a:t>
             </a:r>
             <a:r>
               <a:rPr lang="en-US" altLang="ja-JP" dirty="0" smtClean="0"/>
@@ -11655,7 +11639,7 @@
         </p:nvSpPr>
         <p:spPr>
           <a:xfrm>
-            <a:off x="1128198" y="2322645"/>
+            <a:off x="1109881" y="2312387"/>
             <a:ext cx="1450104" cy="369328"/>
           </a:xfrm>
           <a:prstGeom prst="rect">
@@ -11667,8 +11651,10 @@
               <a:lumOff val="80000"/>
             </a:schemeClr>
           </a:solidFill>
-          <a:ln>
-            <a:noFill/>
+          <a:ln w="3175">
+            <a:solidFill>
+              <a:schemeClr val="tx1"/>
+            </a:solidFill>
           </a:ln>
         </p:spPr>
         <p:style>
@@ -11716,7 +11702,7 @@
         </p:nvSpPr>
         <p:spPr>
           <a:xfrm>
-            <a:off x="6193368" y="2339369"/>
+            <a:off x="6183843" y="2329111"/>
             <a:ext cx="1450104" cy="369328"/>
           </a:xfrm>
           <a:prstGeom prst="rect">
@@ -11728,8 +11714,10 @@
               <a:lumOff val="80000"/>
             </a:schemeClr>
           </a:solidFill>
-          <a:ln>
-            <a:noFill/>
+          <a:ln w="3175">
+            <a:solidFill>
+              <a:schemeClr val="tx1"/>
+            </a:solidFill>
           </a:ln>
         </p:spPr>
         <p:style>
